--- a/10_SQL1_Crearea_BD_si_actualizare/10_SQL1_Crearea_BD_si_actualizare.pptx
+++ b/10_SQL1_Crearea_BD_si_actualizare/10_SQL1_Crearea_BD_si_actualizare.pptx
@@ -302,7 +302,7 @@
           </a:lstStyle>
           <a:p>
             <a:fld id="{80E1F2A5-7EA7-494C-AE73-DD4C652C211B}" type="datetimeFigureOut">
-              <a:t>22.09.2018</a:t>
+              <a:t>12.03.2019</a:t>
             </a:fld>
             <a:endParaRPr lang="en-US"/>
           </a:p>
@@ -6142,7 +6142,7 @@
           <a:graphicData uri="http://schemas.openxmlformats.org/presentationml/2006/ole">
             <mc:AlternateContent xmlns:mc="http://schemas.openxmlformats.org/markup-compatibility/2006">
               <mc:Choice xmlns:v="urn:schemas-microsoft-com:vml" Requires="v">
-                <p:oleObj spid="_x0000_s2080" name="Photo Editor Photo" r:id="rId3" imgW="6314286" imgH="5028571" progId="">
+                <p:oleObj spid="_x0000_s2082" name="Photo Editor Photo" r:id="rId3" imgW="6314286" imgH="5028571" progId="">
                   <p:embed/>
                 </p:oleObj>
               </mc:Choice>
@@ -6185,14 +6185,14 @@
                       <a:effectLst/>
                       <a:extLst>
                         <a:ext uri="{909E8E84-426E-40dd-AFC4-6F175D3DCCD1}">
-                          <a14:hiddenFill xmlns:a14="http://schemas.microsoft.com/office/drawing/2010/main" xmlns="">
+                          <a14:hiddenFill xmlns="" xmlns:a14="http://schemas.microsoft.com/office/drawing/2010/main">
                             <a:solidFill>
                               <a:schemeClr val="accent1"/>
                             </a:solidFill>
                           </a14:hiddenFill>
                         </a:ext>
                         <a:ext uri="{91240B29-F687-4f45-9708-019B960494DF}">
-                          <a14:hiddenLine xmlns:a14="http://schemas.microsoft.com/office/drawing/2010/main" xmlns="" w="9525">
+                          <a14:hiddenLine xmlns="" xmlns:a14="http://schemas.microsoft.com/office/drawing/2010/main" w="9525">
                             <a:solidFill>
                               <a:schemeClr val="tx1"/>
                             </a:solidFill>
@@ -6202,7 +6202,7 @@
                           </a14:hiddenLine>
                         </a:ext>
                         <a:ext uri="{AF507438-7753-43e0-B8FC-AC1667EBCBE1}">
-                          <a14:hiddenEffects xmlns:a14="http://schemas.microsoft.com/office/drawing/2010/main" xmlns="">
+                          <a14:hiddenEffects xmlns="" xmlns:a14="http://schemas.microsoft.com/office/drawing/2010/main">
                             <a:effectLst>
                               <a:outerShdw blurRad="63500" dist="38099" dir="2700000" algn="ctr" rotWithShape="0">
                                 <a:schemeClr val="bg2">
@@ -7602,35 +7602,6 @@
             </a:lvl9pPr>
             <a:extLst/>
           </a:lstStyle>
-          <a:p>
-            <a:pPr fontAlgn="auto">
-              <a:spcAft>
-                <a:spcPts val="0"/>
-              </a:spcAft>
-            </a:pPr>
-            <a:r>
-              <a:rPr lang="en-US" dirty="0"/>
-              <a:t>049 data types-Complete SQL Bootcamp</a:t>
-            </a:r>
-          </a:p>
-          <a:p>
-            <a:pPr marL="82550" indent="0" fontAlgn="auto">
-              <a:spcAft>
-                <a:spcPts val="0"/>
-              </a:spcAft>
-              <a:buNone/>
-            </a:pPr>
-            <a:r>
-              <a:rPr lang="en-US" dirty="0">
-                <a:cs typeface="Avenir Light"/>
-                <a:hlinkClick r:id="rId2"/>
-              </a:rPr>
-              <a:t>https://www.youtube.com/watch?v=qP3N4wmhFdI</a:t>
-            </a:r>
-            <a:endParaRPr lang="en-US" dirty="0">
-              <a:cs typeface="Avenir Light"/>
-            </a:endParaRPr>
-          </a:p>
           <a:p>
             <a:pPr marL="82550" indent="0" fontAlgn="auto">
               <a:spcAft>
@@ -9781,46 +9752,6 @@
             <a:extLst/>
           </a:lstStyle>
           <a:p>
-            <a:pPr fontAlgn="auto">
-              <a:spcAft>
-                <a:spcPts val="0"/>
-              </a:spcAft>
-            </a:pPr>
-            <a:r>
-              <a:rPr lang="en-US" dirty="0"/>
-              <a:t>051 create table-Complete SQL Bootcamp</a:t>
-            </a:r>
-          </a:p>
-          <a:p>
-            <a:pPr marL="82550" indent="0" fontAlgn="auto">
-              <a:spcAft>
-                <a:spcPts val="0"/>
-              </a:spcAft>
-              <a:buNone/>
-            </a:pPr>
-            <a:r>
-              <a:rPr lang="en-US" dirty="0">
-                <a:cs typeface="Avenir Light"/>
-                <a:hlinkClick r:id="rId2"/>
-              </a:rPr>
-              <a:t>https://www.youtube.com/watch?v=ghallgVqTUE</a:t>
-            </a:r>
-            <a:endParaRPr lang="en-US" dirty="0">
-              <a:cs typeface="Avenir Light"/>
-            </a:endParaRPr>
-          </a:p>
-          <a:p>
-            <a:pPr marL="82550" indent="0" fontAlgn="auto">
-              <a:spcAft>
-                <a:spcPts val="0"/>
-              </a:spcAft>
-              <a:buNone/>
-            </a:pPr>
-            <a:endParaRPr lang="en-US" dirty="0">
-              <a:cs typeface="Avenir Light"/>
-            </a:endParaRPr>
-          </a:p>
-          <a:p>
             <a:pPr marL="82296" indent="0" fontAlgn="auto">
               <a:spcAft>
                 <a:spcPts val="0"/>
@@ -10786,46 +10717,6 @@
                 <a:spcPts val="0"/>
               </a:spcAft>
             </a:pPr>
-            <a:r>
-              <a:rPr lang="en-US" dirty="0">
-                <a:cs typeface="Avenir Light"/>
-              </a:rPr>
-              <a:t>059 not null constraint-Complete SQL Bootcamp</a:t>
-            </a:r>
-          </a:p>
-          <a:p>
-            <a:pPr marL="82296" indent="0" fontAlgn="auto">
-              <a:spcAft>
-                <a:spcPts val="0"/>
-              </a:spcAft>
-              <a:buNone/>
-            </a:pPr>
-            <a:r>
-              <a:rPr lang="en-US" dirty="0">
-                <a:cs typeface="Avenir Light"/>
-                <a:hlinkClick r:id="rId2"/>
-              </a:rPr>
-              <a:t>https://www.youtube.com/watch?v=EDTLTBeoU-E</a:t>
-            </a:r>
-            <a:endParaRPr lang="en-US" dirty="0">
-              <a:cs typeface="Avenir Light"/>
-            </a:endParaRPr>
-          </a:p>
-          <a:p>
-            <a:pPr marL="82296" indent="0" fontAlgn="auto">
-              <a:spcAft>
-                <a:spcPts val="0"/>
-              </a:spcAft>
-              <a:buNone/>
-            </a:pPr>
-            <a:endParaRPr lang="en-US" dirty="0"/>
-          </a:p>
-          <a:p>
-            <a:pPr fontAlgn="auto">
-              <a:spcAft>
-                <a:spcPts val="0"/>
-              </a:spcAft>
-            </a:pPr>
             <a:endParaRPr lang="en-US" dirty="0">
               <a:cs typeface="Avenir Light"/>
             </a:endParaRPr>
@@ -12101,65 +11992,6 @@
             </a:lvl9pPr>
             <a:extLst/>
           </a:lstStyle>
-          <a:p>
-            <a:pPr fontAlgn="auto">
-              <a:spcAft>
-                <a:spcPts val="0"/>
-              </a:spcAft>
-            </a:pPr>
-            <a:r>
-              <a:rPr lang="en-US" dirty="0"/>
-              <a:t>050 primary keys and foreign keys-Complete SQL Bootcamp </a:t>
-            </a:r>
-            <a:r>
-              <a:rPr lang="en-US" dirty="0">
-                <a:cs typeface="Avenir Light"/>
-                <a:hlinkClick r:id="rId2"/>
-              </a:rPr>
-              <a:t>https://www.youtube.com/watch?v=2bBZfAwhqGs</a:t>
-            </a:r>
-            <a:endParaRPr lang="en-US" dirty="0">
-              <a:cs typeface="Avenir Light"/>
-            </a:endParaRPr>
-          </a:p>
-          <a:p>
-            <a:pPr fontAlgn="auto">
-              <a:spcAft>
-                <a:spcPts val="0"/>
-              </a:spcAft>
-            </a:pPr>
-            <a:r>
-              <a:rPr lang="en-US" dirty="0"/>
-              <a:t>060 unique constraint-Complete SQL Bootcamp</a:t>
-            </a:r>
-            <a:endParaRPr lang="en-US" dirty="0">
-              <a:cs typeface="Avenir Light"/>
-            </a:endParaRPr>
-          </a:p>
-          <a:p>
-            <a:pPr marL="82296" indent="0" fontAlgn="auto">
-              <a:spcAft>
-                <a:spcPts val="0"/>
-              </a:spcAft>
-              <a:buNone/>
-            </a:pPr>
-            <a:r>
-              <a:rPr lang="en-US" dirty="0">
-                <a:hlinkClick r:id="rId3"/>
-              </a:rPr>
-              <a:t>https://www.youtube.com/watch?v=0P1u7VZR3MU</a:t>
-            </a:r>
-            <a:endParaRPr lang="en-US" dirty="0"/>
-          </a:p>
-          <a:p>
-            <a:pPr marL="82296" indent="0" fontAlgn="auto">
-              <a:spcAft>
-                <a:spcPts val="0"/>
-              </a:spcAft>
-              <a:buNone/>
-            </a:pPr>
-            <a:endParaRPr lang="en-US" dirty="0"/>
-          </a:p>
           <a:p>
             <a:pPr fontAlgn="auto">
               <a:spcAft>
@@ -14224,49 +14056,6 @@
             <a:extLst/>
           </a:lstStyle>
           <a:p>
-            <a:pPr fontAlgn="auto">
-              <a:spcAft>
-                <a:spcPts val="0"/>
-              </a:spcAft>
-            </a:pPr>
-            <a:r>
-              <a:rPr lang="en-US" dirty="0"/>
-              <a:t>058 check constraint-Complete SQL Bootcamp</a:t>
-            </a:r>
-            <a:endParaRPr lang="en-US" dirty="0">
-              <a:cs typeface="Avenir Light"/>
-            </a:endParaRPr>
-          </a:p>
-          <a:p>
-            <a:pPr marL="82296" indent="0" fontAlgn="auto">
-              <a:spcAft>
-                <a:spcPts val="0"/>
-              </a:spcAft>
-              <a:buNone/>
-            </a:pPr>
-            <a:r>
-              <a:rPr lang="en-US" dirty="0">
-                <a:cs typeface="Avenir Light"/>
-                <a:hlinkClick r:id="rId2"/>
-              </a:rPr>
-              <a:t>https://www.youtube.com/watch?v=ZhfDxA2QbAk</a:t>
-            </a:r>
-            <a:endParaRPr lang="en-US" dirty="0">
-              <a:cs typeface="Avenir Light"/>
-            </a:endParaRPr>
-          </a:p>
-          <a:p>
-            <a:pPr marL="82296" indent="0" fontAlgn="auto">
-              <a:spcAft>
-                <a:spcPts val="0"/>
-              </a:spcAft>
-              <a:buNone/>
-            </a:pPr>
-            <a:endParaRPr lang="en-US" dirty="0">
-              <a:cs typeface="Avenir Light"/>
-            </a:endParaRPr>
-          </a:p>
-          <a:p>
             <a:pPr marL="82296" indent="0" fontAlgn="auto">
               <a:spcAft>
                 <a:spcPts val="0"/>
@@ -15363,10 +15152,34 @@
           <a:p>
             <a:pPr marL="365760" indent="-283464"/>
             <a:r>
-              <a:rPr lang="en-US">
+              <a:rPr lang="en-US" dirty="0">
                 <a:cs typeface="Avenir Light"/>
               </a:rPr>
-              <a:t>10a_Creare (sub) scheme si tabele PostgreSQL</a:t>
+              <a:t>10a_Creare (sub) scheme </a:t>
+            </a:r>
+            <a:r>
+              <a:rPr lang="en-US" dirty="0" err="1">
+                <a:cs typeface="Avenir Light"/>
+              </a:rPr>
+              <a:t>si</a:t>
+            </a:r>
+            <a:r>
+              <a:rPr lang="en-US" dirty="0">
+                <a:cs typeface="Avenir Light"/>
+              </a:rPr>
+              <a:t> </a:t>
+            </a:r>
+            <a:r>
+              <a:rPr lang="en-US" dirty="0" err="1">
+                <a:cs typeface="Avenir Light"/>
+              </a:rPr>
+              <a:t>tabele</a:t>
+            </a:r>
+            <a:r>
+              <a:rPr lang="en-US" dirty="0">
+                <a:cs typeface="Avenir Light"/>
+              </a:rPr>
+              <a:t> PostgreSQL</a:t>
             </a:r>
           </a:p>
           <a:p>
@@ -15374,46 +15187,59 @@
               <a:buNone/>
             </a:pPr>
             <a:r>
-              <a:rPr lang="en-US" sz="2400">
+              <a:rPr lang="en-US" sz="2400" dirty="0">
+                <a:cs typeface="Avenir Light"/>
                 <a:hlinkClick r:id="rId3"/>
               </a:rPr>
-              <a:t>https://onedrive.live.com/redir?resid=9233CD031198EF03!8349&amp;authkey=!AHw5ykII5wT9G2g&amp;ithint=video%2cmp4</a:t>
-            </a:r>
-            <a:endParaRPr lang="en-US" sz="2400"/>
-          </a:p>
-          <a:p>
-            <a:pPr marL="82296" indent="0">
-              <a:buNone/>
-            </a:pPr>
-            <a:endParaRPr lang="en-US" sz="2400">
+              <a:t>https://1drv.ms/i/s!AgPvmBEDzTOSwRwk1NPecXWbZpp5</a:t>
+            </a:r>
+            <a:endParaRPr lang="en-US" sz="2400" dirty="0">
               <a:cs typeface="Avenir Light"/>
             </a:endParaRPr>
           </a:p>
           <a:p>
+            <a:pPr marL="82296" indent="0">
+              <a:buNone/>
+            </a:pPr>
+            <a:endParaRPr lang="en-US" sz="2400" dirty="0">
+              <a:cs typeface="Avenir Light"/>
+            </a:endParaRPr>
+          </a:p>
+          <a:p>
             <a:pPr marL="365760" indent="-283464"/>
             <a:r>
-              <a:rPr lang="en-US">
+              <a:rPr lang="en-US" dirty="0">
                 <a:cs typeface="Avenir Light"/>
               </a:rPr>
-              <a:t>10b_(sub)scheme_PostgreSQL</a:t>
-            </a:r>
+              <a:t>10b_(sub)</a:t>
+            </a:r>
+            <a:r>
+              <a:rPr lang="en-US" dirty="0" err="1">
+                <a:cs typeface="Avenir Light"/>
+              </a:rPr>
+              <a:t>scheme_PostgreSQL</a:t>
+            </a:r>
+            <a:endParaRPr lang="en-US" dirty="0">
+              <a:cs typeface="Avenir Light"/>
+            </a:endParaRPr>
           </a:p>
           <a:p>
             <a:pPr marL="82296" indent="0">
               <a:buNone/>
             </a:pPr>
             <a:r>
-              <a:rPr lang="en-US" sz="2400">
-                <a:hlinkClick r:id="rId4"/>
-              </a:rPr>
-              <a:t>https://onedrive.live.com/redir?resid=9233CD031198EF03!8348&amp;authkey=!ACTS096ordvMcfk&amp;ithint=video%2cmp4</a:t>
-            </a:r>
+              <a:rPr lang="en-US" sz="2400" dirty="0">
+                <a:hlinkClick r:id="rId3"/>
+              </a:rPr>
+              <a:t>https://1drv.ms/i/s!AgPvmBEDzTOSwRwk1NPecXWbZpp5</a:t>
+            </a:r>
+            <a:endParaRPr lang="en-US" sz="2400" dirty="0"/>
           </a:p>
           <a:p>
             <a:pPr marL="82296" indent="0">
               <a:buNone/>
             </a:pPr>
-            <a:endParaRPr lang="ro-RO" sz="2400"/>
+            <a:endParaRPr lang="ro-RO" sz="2400" dirty="0"/>
           </a:p>
         </p:txBody>
       </p:sp>
@@ -18449,37 +18275,6 @@
                 <a:spcPts val="0"/>
               </a:spcAft>
             </a:pPr>
-            <a:r>
-              <a:rPr lang="en-US" dirty="0"/>
-              <a:t>056 alter table-Complete SQL Bootcamp </a:t>
-            </a:r>
-            <a:r>
-              <a:rPr lang="en-US" dirty="0">
-                <a:cs typeface="Avenir Light"/>
-                <a:hlinkClick r:id="rId2"/>
-              </a:rPr>
-              <a:t>https://www.youtube.com/watch?v=INJArJU6lcw</a:t>
-            </a:r>
-            <a:endParaRPr lang="en-US" dirty="0">
-              <a:cs typeface="Avenir Light"/>
-            </a:endParaRPr>
-          </a:p>
-          <a:p>
-            <a:pPr fontAlgn="auto">
-              <a:spcAft>
-                <a:spcPts val="0"/>
-              </a:spcAft>
-            </a:pPr>
-            <a:endParaRPr lang="en-US" dirty="0">
-              <a:cs typeface="Avenir Light"/>
-            </a:endParaRPr>
-          </a:p>
-          <a:p>
-            <a:pPr fontAlgn="auto">
-              <a:spcAft>
-                <a:spcPts val="0"/>
-              </a:spcAft>
-            </a:pPr>
             <a:endParaRPr lang="en-US" dirty="0">
               <a:cs typeface="Avenir Light"/>
             </a:endParaRPr>
@@ -19391,66 +19186,6 @@
             <a:extLst/>
           </a:lstStyle>
           <a:p>
-            <a:pPr fontAlgn="auto">
-              <a:spcAft>
-                <a:spcPts val="0"/>
-              </a:spcAft>
-            </a:pPr>
-            <a:r>
-              <a:rPr lang="en-US" dirty="0"/>
-              <a:t>057 drop table-Complete SQL Bootcamp</a:t>
-            </a:r>
-          </a:p>
-          <a:p>
-            <a:pPr marL="82550" indent="0" fontAlgn="auto">
-              <a:spcAft>
-                <a:spcPts val="0"/>
-              </a:spcAft>
-              <a:buNone/>
-            </a:pPr>
-            <a:r>
-              <a:rPr lang="en-US" dirty="0">
-                <a:cs typeface="Avenir Light"/>
-                <a:hlinkClick r:id="rId2"/>
-              </a:rPr>
-              <a:t>https://www.youtube.com/watch?v=VUxOYG25rBM</a:t>
-            </a:r>
-            <a:endParaRPr lang="en-US" dirty="0">
-              <a:cs typeface="Avenir Light"/>
-            </a:endParaRPr>
-          </a:p>
-          <a:p>
-            <a:pPr marL="82550" indent="0" fontAlgn="auto">
-              <a:spcAft>
-                <a:spcPts val="0"/>
-              </a:spcAft>
-              <a:buNone/>
-            </a:pPr>
-            <a:endParaRPr lang="en-US" dirty="0">
-              <a:cs typeface="Avenir Light"/>
-            </a:endParaRPr>
-          </a:p>
-          <a:p>
-            <a:pPr fontAlgn="auto">
-              <a:spcAft>
-                <a:spcPts val="0"/>
-              </a:spcAft>
-            </a:pPr>
-            <a:endParaRPr lang="en-US" dirty="0">
-              <a:cs typeface="Avenir Light"/>
-            </a:endParaRPr>
-          </a:p>
-          <a:p>
-            <a:pPr fontAlgn="auto">
-              <a:spcAft>
-                <a:spcPts val="0"/>
-              </a:spcAft>
-            </a:pPr>
-            <a:endParaRPr lang="en-US" dirty="0">
-              <a:cs typeface="Avenir Light"/>
-            </a:endParaRPr>
-          </a:p>
-          <a:p>
             <a:pPr marL="82296" indent="0" fontAlgn="auto">
               <a:spcAft>
                 <a:spcPts val="0"/>
@@ -20542,127 +20277,6 @@
                 <a:spcPts val="0"/>
               </a:spcAft>
             </a:pPr>
-            <a:r>
-              <a:rPr lang="en-US" dirty="0"/>
-              <a:t>053 insert-Complete SQL Bootcamp </a:t>
-            </a:r>
-            <a:r>
-              <a:rPr lang="en-US" dirty="0">
-                <a:cs typeface="Avenir Light"/>
-                <a:hlinkClick r:id="rId2"/>
-              </a:rPr>
-              <a:t>https://www.youtube.com/watch?v=FqYYeV71Mzs</a:t>
-            </a:r>
-            <a:endParaRPr lang="en-US" dirty="0">
-              <a:cs typeface="Avenir Light"/>
-            </a:endParaRPr>
-          </a:p>
-          <a:p>
-            <a:pPr fontAlgn="auto">
-              <a:spcAft>
-                <a:spcPts val="0"/>
-              </a:spcAft>
-            </a:pPr>
-            <a:endParaRPr lang="en-US" dirty="0">
-              <a:cs typeface="Avenir Light"/>
-            </a:endParaRPr>
-          </a:p>
-          <a:p>
-            <a:pPr fontAlgn="auto">
-              <a:spcAft>
-                <a:spcPts val="0"/>
-              </a:spcAft>
-            </a:pPr>
-            <a:r>
-              <a:rPr lang="en-US" dirty="0"/>
-              <a:t>054 update-Complete SQL Bootcamp </a:t>
-            </a:r>
-            <a:r>
-              <a:rPr lang="en-US" dirty="0">
-                <a:cs typeface="Avenir Light"/>
-                <a:hlinkClick r:id="rId3"/>
-              </a:rPr>
-              <a:t>https://www.youtube.com/watch?v=uyF5vS0wCQo</a:t>
-            </a:r>
-            <a:endParaRPr lang="en-US" dirty="0">
-              <a:cs typeface="Avenir Light"/>
-            </a:endParaRPr>
-          </a:p>
-          <a:p>
-            <a:pPr fontAlgn="auto">
-              <a:spcAft>
-                <a:spcPts val="0"/>
-              </a:spcAft>
-            </a:pPr>
-            <a:endParaRPr lang="en-US" dirty="0">
-              <a:cs typeface="Avenir Light"/>
-            </a:endParaRPr>
-          </a:p>
-          <a:p>
-            <a:pPr fontAlgn="auto">
-              <a:spcAft>
-                <a:spcPts val="0"/>
-              </a:spcAft>
-            </a:pPr>
-            <a:r>
-              <a:rPr lang="en-US" dirty="0"/>
-              <a:t>055 delete-Complete SQL Bootcamp</a:t>
-            </a:r>
-          </a:p>
-          <a:p>
-            <a:pPr marL="82550" indent="0" fontAlgn="auto">
-              <a:spcAft>
-                <a:spcPts val="0"/>
-              </a:spcAft>
-              <a:buNone/>
-            </a:pPr>
-            <a:r>
-              <a:rPr lang="en-US" dirty="0">
-                <a:cs typeface="Avenir Light"/>
-                <a:hlinkClick r:id="rId4"/>
-              </a:rPr>
-              <a:t>https://www.youtube.com/watch?v=qcyaXkj5aQ8</a:t>
-            </a:r>
-            <a:endParaRPr lang="en-US" dirty="0">
-              <a:cs typeface="Avenir Light"/>
-            </a:endParaRPr>
-          </a:p>
-          <a:p>
-            <a:pPr marL="82550" indent="0" fontAlgn="auto">
-              <a:spcAft>
-                <a:spcPts val="0"/>
-              </a:spcAft>
-              <a:buNone/>
-            </a:pPr>
-            <a:endParaRPr lang="en-US" dirty="0">
-              <a:cs typeface="Avenir Light"/>
-            </a:endParaRPr>
-          </a:p>
-          <a:p>
-            <a:pPr fontAlgn="auto">
-              <a:spcAft>
-                <a:spcPts val="0"/>
-              </a:spcAft>
-            </a:pPr>
-            <a:endParaRPr lang="en-US" dirty="0">
-              <a:cs typeface="Avenir Light"/>
-            </a:endParaRPr>
-          </a:p>
-          <a:p>
-            <a:pPr marL="82296" indent="0" fontAlgn="auto">
-              <a:spcAft>
-                <a:spcPts val="0"/>
-              </a:spcAft>
-              <a:buNone/>
-            </a:pPr>
-            <a:endParaRPr lang="en-US" dirty="0"/>
-          </a:p>
-          <a:p>
-            <a:pPr fontAlgn="auto">
-              <a:spcAft>
-                <a:spcPts val="0"/>
-              </a:spcAft>
-            </a:pPr>
             <a:endParaRPr lang="en-US" dirty="0">
               <a:cs typeface="Avenir Light"/>
             </a:endParaRPr>
@@ -21759,7 +21373,7 @@
           <a:graphicData uri="http://schemas.openxmlformats.org/presentationml/2006/ole">
             <mc:AlternateContent xmlns:mc="http://schemas.openxmlformats.org/markup-compatibility/2006">
               <mc:Choice xmlns:v="urn:schemas-microsoft-com:vml" Requires="v">
-                <p:oleObj spid="_x0000_s1056" name="Picture" r:id="rId3" imgW="5915160" imgH="3305160" progId="Word.Picture.8">
+                <p:oleObj spid="_x0000_s1058" name="Picture" r:id="rId3" imgW="5915160" imgH="3305160" progId="Word.Picture.8">
                   <p:embed/>
                 </p:oleObj>
               </mc:Choice>
@@ -21798,7 +21412,7 @@
                       <a:noFill/>
                       <a:extLst>
                         <a:ext uri="{909E8E84-426E-40dd-AFC4-6F175D3DCCD1}">
-                          <a14:hiddenFill xmlns:a14="http://schemas.microsoft.com/office/drawing/2010/main" xmlns="">
+                          <a14:hiddenFill xmlns="" xmlns:a14="http://schemas.microsoft.com/office/drawing/2010/main">
                             <a:solidFill>
                               <a:srgbClr val="FFFFFF"/>
                             </a:solidFill>
